--- a/Presentation - Query Optimisation.pptx
+++ b/Presentation - Query Optimisation.pptx
@@ -9349,10 +9349,16 @@
               <a:t> E. </a:t>
             </a:r>
             <a:r>
-              <a:rPr lang="en-US" sz="2600" smtClean="0">
-                <a:latin typeface="Georgia" panose="02040502050405020303" pitchFamily="18" charset="0"/>
-              </a:rPr>
-              <a:t>Ionnidis)</a:t>
+              <a:rPr lang="en-US" sz="2600" dirty="0" err="1" smtClean="0">
+                <a:latin typeface="Georgia" panose="02040502050405020303" pitchFamily="18" charset="0"/>
+              </a:rPr>
+              <a:t>Ionnidis</a:t>
+            </a:r>
+            <a:r>
+              <a:rPr lang="en-US" sz="2600" dirty="0" smtClean="0">
+                <a:latin typeface="Georgia" panose="02040502050405020303" pitchFamily="18" charset="0"/>
+              </a:rPr>
+              <a:t>)</a:t>
             </a:r>
             <a:endParaRPr lang="en-IN" sz="2600" dirty="0">
               <a:latin typeface="Georgia" panose="02040502050405020303" pitchFamily="18" charset="0"/>
